--- a/Kotlin Introduction.pptx
+++ b/Kotlin Introduction.pptx
@@ -4,10 +4,22 @@
   <p:sldMasterIdLst>
     <p:sldMasterId id="2147483648" r:id="rId1"/>
   </p:sldMasterIdLst>
+  <p:notesMasterIdLst>
+    <p:notesMasterId r:id="rId14"/>
+  </p:notesMasterIdLst>
   <p:sldIdLst>
     <p:sldId id="256" r:id="rId2"/>
     <p:sldId id="257" r:id="rId3"/>
-    <p:sldId id="258" r:id="rId4"/>
+    <p:sldId id="262" r:id="rId4"/>
+    <p:sldId id="258" r:id="rId5"/>
+    <p:sldId id="263" r:id="rId6"/>
+    <p:sldId id="259" r:id="rId7"/>
+    <p:sldId id="264" r:id="rId8"/>
+    <p:sldId id="260" r:id="rId9"/>
+    <p:sldId id="261" r:id="rId10"/>
+    <p:sldId id="265" r:id="rId11"/>
+    <p:sldId id="267" r:id="rId12"/>
+    <p:sldId id="266" r:id="rId13"/>
   </p:sldIdLst>
   <p:sldSz cx="9144000" cy="6858000" type="screen4x3"/>
   <p:notesSz cx="6858000" cy="9144000"/>
@@ -109,6 +121,440 @@
 </p:presentation>
 </file>
 
+<file path=ppt/notesMasters/notesMaster1.xml><?xml version="1.0" encoding="utf-8"?>
+<p:notesMaster xmlns:a="http://schemas.openxmlformats.org/drawingml/2006/main" xmlns:r="http://schemas.openxmlformats.org/officeDocument/2006/relationships" xmlns:p="http://schemas.openxmlformats.org/presentationml/2006/main">
+  <p:cSld>
+    <p:bg>
+      <p:bgRef idx="1001">
+        <a:schemeClr val="bg1"/>
+      </p:bgRef>
+    </p:bg>
+    <p:spTree>
+      <p:nvGrpSpPr>
+        <p:cNvPr id="1" name=""/>
+        <p:cNvGrpSpPr/>
+        <p:nvPr/>
+      </p:nvGrpSpPr>
+      <p:grpSpPr>
+        <a:xfrm>
+          <a:off x="0" y="0"/>
+          <a:ext cx="0" cy="0"/>
+          <a:chOff x="0" y="0"/>
+          <a:chExt cx="0" cy="0"/>
+        </a:xfrm>
+      </p:grpSpPr>
+      <p:sp>
+        <p:nvSpPr>
+          <p:cNvPr id="2" name="Верхний колонтитул 1"/>
+          <p:cNvSpPr>
+            <a:spLocks noGrp="1"/>
+          </p:cNvSpPr>
+          <p:nvPr>
+            <p:ph type="hdr" sz="quarter"/>
+          </p:nvPr>
+        </p:nvSpPr>
+        <p:spPr>
+          <a:xfrm>
+            <a:off x="0" y="0"/>
+            <a:ext cx="2971800" cy="457200"/>
+          </a:xfrm>
+          <a:prstGeom prst="rect">
+            <a:avLst/>
+          </a:prstGeom>
+        </p:spPr>
+        <p:txBody>
+          <a:bodyPr vert="horz" lIns="91440" tIns="45720" rIns="91440" bIns="45720" rtlCol="0"/>
+          <a:lstStyle>
+            <a:lvl1pPr algn="l">
+              <a:defRPr sz="1200"/>
+            </a:lvl1pPr>
+          </a:lstStyle>
+          <a:p>
+            <a:endParaRPr lang="ru-RU"/>
+          </a:p>
+        </p:txBody>
+      </p:sp>
+      <p:sp>
+        <p:nvSpPr>
+          <p:cNvPr id="3" name="Дата 2"/>
+          <p:cNvSpPr>
+            <a:spLocks noGrp="1"/>
+          </p:cNvSpPr>
+          <p:nvPr>
+            <p:ph type="dt" idx="1"/>
+          </p:nvPr>
+        </p:nvSpPr>
+        <p:spPr>
+          <a:xfrm>
+            <a:off x="3884613" y="0"/>
+            <a:ext cx="2971800" cy="457200"/>
+          </a:xfrm>
+          <a:prstGeom prst="rect">
+            <a:avLst/>
+          </a:prstGeom>
+        </p:spPr>
+        <p:txBody>
+          <a:bodyPr vert="horz" lIns="91440" tIns="45720" rIns="91440" bIns="45720" rtlCol="0"/>
+          <a:lstStyle>
+            <a:lvl1pPr algn="r">
+              <a:defRPr sz="1200"/>
+            </a:lvl1pPr>
+          </a:lstStyle>
+          <a:p>
+            <a:fld id="{322EBA68-7AB4-485A-B6D4-F933F7037FC4}" type="datetimeFigureOut">
+              <a:rPr lang="ru-RU" smtClean="0"/>
+              <a:t>05.10.2017</a:t>
+            </a:fld>
+            <a:endParaRPr lang="ru-RU"/>
+          </a:p>
+        </p:txBody>
+      </p:sp>
+      <p:sp>
+        <p:nvSpPr>
+          <p:cNvPr id="4" name="Образ слайда 3"/>
+          <p:cNvSpPr>
+            <a:spLocks noGrp="1" noRot="1" noChangeAspect="1"/>
+          </p:cNvSpPr>
+          <p:nvPr>
+            <p:ph type="sldImg" idx="2"/>
+          </p:nvPr>
+        </p:nvSpPr>
+        <p:spPr>
+          <a:xfrm>
+            <a:off x="1143000" y="685800"/>
+            <a:ext cx="4572000" cy="3429000"/>
+          </a:xfrm>
+          <a:prstGeom prst="rect">
+            <a:avLst/>
+          </a:prstGeom>
+          <a:noFill/>
+          <a:ln w="12700">
+            <a:solidFill>
+              <a:prstClr val="black"/>
+            </a:solidFill>
+          </a:ln>
+        </p:spPr>
+        <p:txBody>
+          <a:bodyPr vert="horz" lIns="91440" tIns="45720" rIns="91440" bIns="45720" rtlCol="0" anchor="ctr"/>
+          <a:lstStyle/>
+          <a:p>
+            <a:endParaRPr lang="ru-RU"/>
+          </a:p>
+        </p:txBody>
+      </p:sp>
+      <p:sp>
+        <p:nvSpPr>
+          <p:cNvPr id="5" name="Заметки 4"/>
+          <p:cNvSpPr>
+            <a:spLocks noGrp="1"/>
+          </p:cNvSpPr>
+          <p:nvPr>
+            <p:ph type="body" sz="quarter" idx="3"/>
+          </p:nvPr>
+        </p:nvSpPr>
+        <p:spPr>
+          <a:xfrm>
+            <a:off x="685800" y="4343400"/>
+            <a:ext cx="5486400" cy="4114800"/>
+          </a:xfrm>
+          <a:prstGeom prst="rect">
+            <a:avLst/>
+          </a:prstGeom>
+        </p:spPr>
+        <p:txBody>
+          <a:bodyPr vert="horz" lIns="91440" tIns="45720" rIns="91440" bIns="45720" rtlCol="0"/>
+          <a:lstStyle/>
+          <a:p>
+            <a:pPr lvl="0"/>
+            <a:r>
+              <a:rPr lang="ru-RU" smtClean="0"/>
+              <a:t>Образец текста</a:t>
+            </a:r>
+          </a:p>
+          <a:p>
+            <a:pPr lvl="1"/>
+            <a:r>
+              <a:rPr lang="ru-RU" smtClean="0"/>
+              <a:t>Второй уровень</a:t>
+            </a:r>
+          </a:p>
+          <a:p>
+            <a:pPr lvl="2"/>
+            <a:r>
+              <a:rPr lang="ru-RU" smtClean="0"/>
+              <a:t>Третий уровень</a:t>
+            </a:r>
+          </a:p>
+          <a:p>
+            <a:pPr lvl="3"/>
+            <a:r>
+              <a:rPr lang="ru-RU" smtClean="0"/>
+              <a:t>Четвертый уровень</a:t>
+            </a:r>
+          </a:p>
+          <a:p>
+            <a:pPr lvl="4"/>
+            <a:r>
+              <a:rPr lang="ru-RU" smtClean="0"/>
+              <a:t>Пятый уровень</a:t>
+            </a:r>
+            <a:endParaRPr lang="ru-RU"/>
+          </a:p>
+        </p:txBody>
+      </p:sp>
+      <p:sp>
+        <p:nvSpPr>
+          <p:cNvPr id="6" name="Нижний колонтитул 5"/>
+          <p:cNvSpPr>
+            <a:spLocks noGrp="1"/>
+          </p:cNvSpPr>
+          <p:nvPr>
+            <p:ph type="ftr" sz="quarter" idx="4"/>
+          </p:nvPr>
+        </p:nvSpPr>
+        <p:spPr>
+          <a:xfrm>
+            <a:off x="0" y="8685213"/>
+            <a:ext cx="2971800" cy="457200"/>
+          </a:xfrm>
+          <a:prstGeom prst="rect">
+            <a:avLst/>
+          </a:prstGeom>
+        </p:spPr>
+        <p:txBody>
+          <a:bodyPr vert="horz" lIns="91440" tIns="45720" rIns="91440" bIns="45720" rtlCol="0" anchor="b"/>
+          <a:lstStyle>
+            <a:lvl1pPr algn="l">
+              <a:defRPr sz="1200"/>
+            </a:lvl1pPr>
+          </a:lstStyle>
+          <a:p>
+            <a:endParaRPr lang="ru-RU"/>
+          </a:p>
+        </p:txBody>
+      </p:sp>
+      <p:sp>
+        <p:nvSpPr>
+          <p:cNvPr id="7" name="Номер слайда 6"/>
+          <p:cNvSpPr>
+            <a:spLocks noGrp="1"/>
+          </p:cNvSpPr>
+          <p:nvPr>
+            <p:ph type="sldNum" sz="quarter" idx="5"/>
+          </p:nvPr>
+        </p:nvSpPr>
+        <p:spPr>
+          <a:xfrm>
+            <a:off x="3884613" y="8685213"/>
+            <a:ext cx="2971800" cy="457200"/>
+          </a:xfrm>
+          <a:prstGeom prst="rect">
+            <a:avLst/>
+          </a:prstGeom>
+        </p:spPr>
+        <p:txBody>
+          <a:bodyPr vert="horz" lIns="91440" tIns="45720" rIns="91440" bIns="45720" rtlCol="0" anchor="b"/>
+          <a:lstStyle>
+            <a:lvl1pPr algn="r">
+              <a:defRPr sz="1200"/>
+            </a:lvl1pPr>
+          </a:lstStyle>
+          <a:p>
+            <a:fld id="{2B5DD1ED-3B0C-4C0F-A0EB-899955683A64}" type="slidenum">
+              <a:rPr lang="ru-RU" smtClean="0"/>
+              <a:t>‹#›</a:t>
+            </a:fld>
+            <a:endParaRPr lang="ru-RU"/>
+          </a:p>
+        </p:txBody>
+      </p:sp>
+    </p:spTree>
+    <p:extLst>
+      <p:ext uri="{BB962C8B-B14F-4D97-AF65-F5344CB8AC3E}">
+        <p14:creationId xmlns:p14="http://schemas.microsoft.com/office/powerpoint/2010/main" val="4281094645"/>
+      </p:ext>
+    </p:extLst>
+  </p:cSld>
+  <p:clrMap bg1="lt1" tx1="dk1" bg2="lt2" tx2="dk2" accent1="accent1" accent2="accent2" accent3="accent3" accent4="accent4" accent5="accent5" accent6="accent6" hlink="hlink" folHlink="folHlink"/>
+  <p:notesStyle>
+    <a:lvl1pPr marL="0" algn="l" defTabSz="914400" rtl="0" eaLnBrk="1" latinLnBrk="0" hangingPunct="1">
+      <a:defRPr sz="1200" kern="1200">
+        <a:solidFill>
+          <a:schemeClr val="tx1"/>
+        </a:solidFill>
+        <a:latin typeface="+mn-lt"/>
+        <a:ea typeface="+mn-ea"/>
+        <a:cs typeface="+mn-cs"/>
+      </a:defRPr>
+    </a:lvl1pPr>
+    <a:lvl2pPr marL="457200" algn="l" defTabSz="914400" rtl="0" eaLnBrk="1" latinLnBrk="0" hangingPunct="1">
+      <a:defRPr sz="1200" kern="1200">
+        <a:solidFill>
+          <a:schemeClr val="tx1"/>
+        </a:solidFill>
+        <a:latin typeface="+mn-lt"/>
+        <a:ea typeface="+mn-ea"/>
+        <a:cs typeface="+mn-cs"/>
+      </a:defRPr>
+    </a:lvl2pPr>
+    <a:lvl3pPr marL="914400" algn="l" defTabSz="914400" rtl="0" eaLnBrk="1" latinLnBrk="0" hangingPunct="1">
+      <a:defRPr sz="1200" kern="1200">
+        <a:solidFill>
+          <a:schemeClr val="tx1"/>
+        </a:solidFill>
+        <a:latin typeface="+mn-lt"/>
+        <a:ea typeface="+mn-ea"/>
+        <a:cs typeface="+mn-cs"/>
+      </a:defRPr>
+    </a:lvl3pPr>
+    <a:lvl4pPr marL="1371600" algn="l" defTabSz="914400" rtl="0" eaLnBrk="1" latinLnBrk="0" hangingPunct="1">
+      <a:defRPr sz="1200" kern="1200">
+        <a:solidFill>
+          <a:schemeClr val="tx1"/>
+        </a:solidFill>
+        <a:latin typeface="+mn-lt"/>
+        <a:ea typeface="+mn-ea"/>
+        <a:cs typeface="+mn-cs"/>
+      </a:defRPr>
+    </a:lvl4pPr>
+    <a:lvl5pPr marL="1828800" algn="l" defTabSz="914400" rtl="0" eaLnBrk="1" latinLnBrk="0" hangingPunct="1">
+      <a:defRPr sz="1200" kern="1200">
+        <a:solidFill>
+          <a:schemeClr val="tx1"/>
+        </a:solidFill>
+        <a:latin typeface="+mn-lt"/>
+        <a:ea typeface="+mn-ea"/>
+        <a:cs typeface="+mn-cs"/>
+      </a:defRPr>
+    </a:lvl5pPr>
+    <a:lvl6pPr marL="2286000" algn="l" defTabSz="914400" rtl="0" eaLnBrk="1" latinLnBrk="0" hangingPunct="1">
+      <a:defRPr sz="1200" kern="1200">
+        <a:solidFill>
+          <a:schemeClr val="tx1"/>
+        </a:solidFill>
+        <a:latin typeface="+mn-lt"/>
+        <a:ea typeface="+mn-ea"/>
+        <a:cs typeface="+mn-cs"/>
+      </a:defRPr>
+    </a:lvl6pPr>
+    <a:lvl7pPr marL="2743200" algn="l" defTabSz="914400" rtl="0" eaLnBrk="1" latinLnBrk="0" hangingPunct="1">
+      <a:defRPr sz="1200" kern="1200">
+        <a:solidFill>
+          <a:schemeClr val="tx1"/>
+        </a:solidFill>
+        <a:latin typeface="+mn-lt"/>
+        <a:ea typeface="+mn-ea"/>
+        <a:cs typeface="+mn-cs"/>
+      </a:defRPr>
+    </a:lvl7pPr>
+    <a:lvl8pPr marL="3200400" algn="l" defTabSz="914400" rtl="0" eaLnBrk="1" latinLnBrk="0" hangingPunct="1">
+      <a:defRPr sz="1200" kern="1200">
+        <a:solidFill>
+          <a:schemeClr val="tx1"/>
+        </a:solidFill>
+        <a:latin typeface="+mn-lt"/>
+        <a:ea typeface="+mn-ea"/>
+        <a:cs typeface="+mn-cs"/>
+      </a:defRPr>
+    </a:lvl8pPr>
+    <a:lvl9pPr marL="3657600" algn="l" defTabSz="914400" rtl="0" eaLnBrk="1" latinLnBrk="0" hangingPunct="1">
+      <a:defRPr sz="1200" kern="1200">
+        <a:solidFill>
+          <a:schemeClr val="tx1"/>
+        </a:solidFill>
+        <a:latin typeface="+mn-lt"/>
+        <a:ea typeface="+mn-ea"/>
+        <a:cs typeface="+mn-cs"/>
+      </a:defRPr>
+    </a:lvl9pPr>
+  </p:notesStyle>
+</p:notesMaster>
+</file>
+
+<file path=ppt/notesSlides/notesSlide1.xml><?xml version="1.0" encoding="utf-8"?>
+<p:notes xmlns:a="http://schemas.openxmlformats.org/drawingml/2006/main" xmlns:r="http://schemas.openxmlformats.org/officeDocument/2006/relationships" xmlns:p="http://schemas.openxmlformats.org/presentationml/2006/main">
+  <p:cSld>
+    <p:spTree>
+      <p:nvGrpSpPr>
+        <p:cNvPr id="1" name=""/>
+        <p:cNvGrpSpPr/>
+        <p:nvPr/>
+      </p:nvGrpSpPr>
+      <p:grpSpPr>
+        <a:xfrm>
+          <a:off x="0" y="0"/>
+          <a:ext cx="0" cy="0"/>
+          <a:chOff x="0" y="0"/>
+          <a:chExt cx="0" cy="0"/>
+        </a:xfrm>
+      </p:grpSpPr>
+      <p:sp>
+        <p:nvSpPr>
+          <p:cNvPr id="2" name="Образ слайда 1"/>
+          <p:cNvSpPr>
+            <a:spLocks noGrp="1" noRot="1" noChangeAspect="1"/>
+          </p:cNvSpPr>
+          <p:nvPr>
+            <p:ph type="sldImg"/>
+          </p:nvPr>
+        </p:nvSpPr>
+        <p:spPr/>
+      </p:sp>
+      <p:sp>
+        <p:nvSpPr>
+          <p:cNvPr id="3" name="Заметки 2"/>
+          <p:cNvSpPr>
+            <a:spLocks noGrp="1"/>
+          </p:cNvSpPr>
+          <p:nvPr>
+            <p:ph type="body" idx="1"/>
+          </p:nvPr>
+        </p:nvSpPr>
+        <p:spPr/>
+        <p:txBody>
+          <a:bodyPr/>
+          <a:lstStyle/>
+          <a:p>
+            <a:endParaRPr lang="ru-RU" dirty="0"/>
+          </a:p>
+        </p:txBody>
+      </p:sp>
+      <p:sp>
+        <p:nvSpPr>
+          <p:cNvPr id="4" name="Номер слайда 3"/>
+          <p:cNvSpPr>
+            <a:spLocks noGrp="1"/>
+          </p:cNvSpPr>
+          <p:nvPr>
+            <p:ph type="sldNum" sz="quarter" idx="10"/>
+          </p:nvPr>
+        </p:nvSpPr>
+        <p:spPr/>
+        <p:txBody>
+          <a:bodyPr/>
+          <a:lstStyle/>
+          <a:p>
+            <a:fld id="{2B5DD1ED-3B0C-4C0F-A0EB-899955683A64}" type="slidenum">
+              <a:rPr lang="ru-RU" smtClean="0"/>
+              <a:t>11</a:t>
+            </a:fld>
+            <a:endParaRPr lang="ru-RU"/>
+          </a:p>
+        </p:txBody>
+      </p:sp>
+    </p:spTree>
+    <p:extLst>
+      <p:ext uri="{BB962C8B-B14F-4D97-AF65-F5344CB8AC3E}">
+        <p14:creationId xmlns:p14="http://schemas.microsoft.com/office/powerpoint/2010/main" val="2329963141"/>
+      </p:ext>
+    </p:extLst>
+  </p:cSld>
+  <p:clrMapOvr>
+    <a:masterClrMapping/>
+  </p:clrMapOvr>
+</p:notes>
+</file>
+
 <file path=ppt/slideLayouts/slideLayout1.xml><?xml version="1.0" encoding="utf-8"?>
 <p:sldLayout xmlns:a="http://schemas.openxmlformats.org/drawingml/2006/main" xmlns:r="http://schemas.openxmlformats.org/officeDocument/2006/relationships" xmlns:p="http://schemas.openxmlformats.org/presentationml/2006/main" type="title" preserve="1">
   <p:cSld name="Титульный слайд">
@@ -290,7 +736,7 @@
           <a:p>
             <a:fld id="{6B8D11FD-9314-412B-AC9C-37FD83CAFDC2}" type="datetimeFigureOut">
               <a:rPr lang="ru-RU" smtClean="0"/>
-              <a:t>29.09.2017</a:t>
+              <a:t>30.09.2017</a:t>
             </a:fld>
             <a:endParaRPr lang="ru-RU"/>
           </a:p>
@@ -460,7 +906,7 @@
           <a:p>
             <a:fld id="{6B8D11FD-9314-412B-AC9C-37FD83CAFDC2}" type="datetimeFigureOut">
               <a:rPr lang="ru-RU" smtClean="0"/>
-              <a:t>29.09.2017</a:t>
+              <a:t>30.09.2017</a:t>
             </a:fld>
             <a:endParaRPr lang="ru-RU"/>
           </a:p>
@@ -640,7 +1086,7 @@
           <a:p>
             <a:fld id="{6B8D11FD-9314-412B-AC9C-37FD83CAFDC2}" type="datetimeFigureOut">
               <a:rPr lang="ru-RU" smtClean="0"/>
-              <a:t>29.09.2017</a:t>
+              <a:t>30.09.2017</a:t>
             </a:fld>
             <a:endParaRPr lang="ru-RU"/>
           </a:p>
@@ -810,7 +1256,7 @@
           <a:p>
             <a:fld id="{6B8D11FD-9314-412B-AC9C-37FD83CAFDC2}" type="datetimeFigureOut">
               <a:rPr lang="ru-RU" smtClean="0"/>
-              <a:t>29.09.2017</a:t>
+              <a:t>30.09.2017</a:t>
             </a:fld>
             <a:endParaRPr lang="ru-RU"/>
           </a:p>
@@ -1056,7 +1502,7 @@
           <a:p>
             <a:fld id="{6B8D11FD-9314-412B-AC9C-37FD83CAFDC2}" type="datetimeFigureOut">
               <a:rPr lang="ru-RU" smtClean="0"/>
-              <a:t>29.09.2017</a:t>
+              <a:t>30.09.2017</a:t>
             </a:fld>
             <a:endParaRPr lang="ru-RU"/>
           </a:p>
@@ -1344,7 +1790,7 @@
           <a:p>
             <a:fld id="{6B8D11FD-9314-412B-AC9C-37FD83CAFDC2}" type="datetimeFigureOut">
               <a:rPr lang="ru-RU" smtClean="0"/>
-              <a:t>29.09.2017</a:t>
+              <a:t>30.09.2017</a:t>
             </a:fld>
             <a:endParaRPr lang="ru-RU"/>
           </a:p>
@@ -1766,7 +2212,7 @@
           <a:p>
             <a:fld id="{6B8D11FD-9314-412B-AC9C-37FD83CAFDC2}" type="datetimeFigureOut">
               <a:rPr lang="ru-RU" smtClean="0"/>
-              <a:t>29.09.2017</a:t>
+              <a:t>30.09.2017</a:t>
             </a:fld>
             <a:endParaRPr lang="ru-RU"/>
           </a:p>
@@ -1884,7 +2330,7 @@
           <a:p>
             <a:fld id="{6B8D11FD-9314-412B-AC9C-37FD83CAFDC2}" type="datetimeFigureOut">
               <a:rPr lang="ru-RU" smtClean="0"/>
-              <a:t>29.09.2017</a:t>
+              <a:t>30.09.2017</a:t>
             </a:fld>
             <a:endParaRPr lang="ru-RU"/>
           </a:p>
@@ -1979,7 +2425,7 @@
           <a:p>
             <a:fld id="{6B8D11FD-9314-412B-AC9C-37FD83CAFDC2}" type="datetimeFigureOut">
               <a:rPr lang="ru-RU" smtClean="0"/>
-              <a:t>29.09.2017</a:t>
+              <a:t>30.09.2017</a:t>
             </a:fld>
             <a:endParaRPr lang="ru-RU"/>
           </a:p>
@@ -2256,7 +2702,7 @@
           <a:p>
             <a:fld id="{6B8D11FD-9314-412B-AC9C-37FD83CAFDC2}" type="datetimeFigureOut">
               <a:rPr lang="ru-RU" smtClean="0"/>
-              <a:t>29.09.2017</a:t>
+              <a:t>30.09.2017</a:t>
             </a:fld>
             <a:endParaRPr lang="ru-RU"/>
           </a:p>
@@ -2509,7 +2955,7 @@
           <a:p>
             <a:fld id="{6B8D11FD-9314-412B-AC9C-37FD83CAFDC2}" type="datetimeFigureOut">
               <a:rPr lang="ru-RU" smtClean="0"/>
-              <a:t>29.09.2017</a:t>
+              <a:t>30.09.2017</a:t>
             </a:fld>
             <a:endParaRPr lang="ru-RU"/>
           </a:p>
@@ -2722,7 +3168,7 @@
           <a:p>
             <a:fld id="{6B8D11FD-9314-412B-AC9C-37FD83CAFDC2}" type="datetimeFigureOut">
               <a:rPr lang="ru-RU" smtClean="0"/>
-              <a:t>29.09.2017</a:t>
+              <a:t>30.09.2017</a:t>
             </a:fld>
             <a:endParaRPr lang="ru-RU"/>
           </a:p>
@@ -3192,6 +3638,402 @@
 </p:sld>
 </file>
 
+<file path=ppt/slides/slide10.xml><?xml version="1.0" encoding="utf-8"?>
+<p:sld xmlns:a="http://schemas.openxmlformats.org/drawingml/2006/main" xmlns:r="http://schemas.openxmlformats.org/officeDocument/2006/relationships" xmlns:p="http://schemas.openxmlformats.org/presentationml/2006/main">
+  <p:cSld>
+    <p:spTree>
+      <p:nvGrpSpPr>
+        <p:cNvPr id="1" name=""/>
+        <p:cNvGrpSpPr/>
+        <p:nvPr/>
+      </p:nvGrpSpPr>
+      <p:grpSpPr>
+        <a:xfrm>
+          <a:off x="0" y="0"/>
+          <a:ext cx="0" cy="0"/>
+          <a:chOff x="0" y="0"/>
+          <a:chExt cx="0" cy="0"/>
+        </a:xfrm>
+      </p:grpSpPr>
+      <p:sp>
+        <p:nvSpPr>
+          <p:cNvPr id="2" name="Заголовок 1"/>
+          <p:cNvSpPr>
+            <a:spLocks noGrp="1"/>
+          </p:cNvSpPr>
+          <p:nvPr>
+            <p:ph type="title"/>
+          </p:nvPr>
+        </p:nvSpPr>
+        <p:spPr/>
+        <p:txBody>
+          <a:bodyPr>
+            <a:normAutofit/>
+          </a:bodyPr>
+          <a:lstStyle/>
+          <a:p>
+            <a:r>
+              <a:rPr lang="en-US" dirty="0" err="1" smtClean="0"/>
+              <a:t>Nullability</a:t>
+            </a:r>
+            <a:endParaRPr lang="ru-RU" dirty="0"/>
+          </a:p>
+        </p:txBody>
+      </p:sp>
+      <p:sp>
+        <p:nvSpPr>
+          <p:cNvPr id="3" name="Объект 2"/>
+          <p:cNvSpPr>
+            <a:spLocks noGrp="1"/>
+          </p:cNvSpPr>
+          <p:nvPr>
+            <p:ph idx="1"/>
+          </p:nvPr>
+        </p:nvSpPr>
+        <p:spPr/>
+        <p:txBody>
+          <a:bodyPr/>
+          <a:lstStyle/>
+          <a:p>
+            <a:r>
+              <a:rPr lang="ru-RU" dirty="0" smtClean="0"/>
+              <a:t>Объявление </a:t>
+            </a:r>
+            <a:r>
+              <a:rPr lang="en-US" dirty="0" smtClean="0"/>
+              <a:t>null </a:t>
+            </a:r>
+            <a:r>
+              <a:rPr lang="ru-RU" dirty="0" smtClean="0"/>
+              <a:t>переменной</a:t>
+            </a:r>
+            <a:endParaRPr lang="ru-RU" dirty="0"/>
+          </a:p>
+        </p:txBody>
+      </p:sp>
+      <p:pic>
+        <p:nvPicPr>
+          <p:cNvPr id="5122" name="Picture 2" descr="C:\Users\Fyodor Rychkov\YandexDisk\Скриншоты\2017-10-05_02-20-47.png"/>
+          <p:cNvPicPr>
+            <a:picLocks noChangeAspect="1" noChangeArrowheads="1"/>
+          </p:cNvPicPr>
+          <p:nvPr/>
+        </p:nvPicPr>
+        <p:blipFill>
+          <a:blip r:embed="rId2">
+            <a:extLst>
+              <a:ext uri="{28A0092B-C50C-407E-A947-70E740481C1C}">
+                <a14:useLocalDpi xmlns:a14="http://schemas.microsoft.com/office/drawing/2010/main" val="0"/>
+              </a:ext>
+            </a:extLst>
+          </a:blip>
+          <a:srcRect/>
+          <a:stretch>
+            <a:fillRect/>
+          </a:stretch>
+        </p:blipFill>
+        <p:spPr bwMode="auto">
+          <a:xfrm>
+            <a:off x="611560" y="2407069"/>
+            <a:ext cx="3333750" cy="742950"/>
+          </a:xfrm>
+          <a:prstGeom prst="rect">
+            <a:avLst/>
+          </a:prstGeom>
+          <a:noFill/>
+          <a:extLst>
+            <a:ext uri="{909E8E84-426E-40DD-AFC4-6F175D3DCCD1}">
+              <a14:hiddenFill xmlns:a14="http://schemas.microsoft.com/office/drawing/2010/main">
+                <a:solidFill>
+                  <a:srgbClr val="FFFFFF"/>
+                </a:solidFill>
+              </a14:hiddenFill>
+            </a:ext>
+          </a:extLst>
+        </p:spPr>
+      </p:pic>
+    </p:spTree>
+    <p:extLst>
+      <p:ext uri="{BB962C8B-B14F-4D97-AF65-F5344CB8AC3E}">
+        <p14:creationId xmlns:p14="http://schemas.microsoft.com/office/powerpoint/2010/main" val="2477150299"/>
+      </p:ext>
+    </p:extLst>
+  </p:cSld>
+  <p:clrMapOvr>
+    <a:masterClrMapping/>
+  </p:clrMapOvr>
+</p:sld>
+</file>
+
+<file path=ppt/slides/slide11.xml><?xml version="1.0" encoding="utf-8"?>
+<p:sld xmlns:a="http://schemas.openxmlformats.org/drawingml/2006/main" xmlns:r="http://schemas.openxmlformats.org/officeDocument/2006/relationships" xmlns:p="http://schemas.openxmlformats.org/presentationml/2006/main">
+  <p:cSld>
+    <p:spTree>
+      <p:nvGrpSpPr>
+        <p:cNvPr id="1" name=""/>
+        <p:cNvGrpSpPr/>
+        <p:nvPr/>
+      </p:nvGrpSpPr>
+      <p:grpSpPr>
+        <a:xfrm>
+          <a:off x="0" y="0"/>
+          <a:ext cx="0" cy="0"/>
+          <a:chOff x="0" y="0"/>
+          <a:chExt cx="0" cy="0"/>
+        </a:xfrm>
+      </p:grpSpPr>
+      <p:sp>
+        <p:nvSpPr>
+          <p:cNvPr id="2" name="Заголовок 1"/>
+          <p:cNvSpPr>
+            <a:spLocks noGrp="1"/>
+          </p:cNvSpPr>
+          <p:nvPr>
+            <p:ph type="title"/>
+          </p:nvPr>
+        </p:nvSpPr>
+        <p:spPr/>
+        <p:txBody>
+          <a:bodyPr>
+            <a:normAutofit/>
+          </a:bodyPr>
+          <a:lstStyle/>
+          <a:p>
+            <a:r>
+              <a:rPr lang="en-US" dirty="0" err="1" smtClean="0"/>
+              <a:t>Nullability</a:t>
+            </a:r>
+            <a:endParaRPr lang="ru-RU" dirty="0"/>
+          </a:p>
+        </p:txBody>
+      </p:sp>
+      <p:sp>
+        <p:nvSpPr>
+          <p:cNvPr id="3" name="Объект 2"/>
+          <p:cNvSpPr>
+            <a:spLocks noGrp="1"/>
+          </p:cNvSpPr>
+          <p:nvPr>
+            <p:ph idx="1"/>
+          </p:nvPr>
+        </p:nvSpPr>
+        <p:spPr/>
+        <p:txBody>
+          <a:bodyPr/>
+          <a:lstStyle/>
+          <a:p>
+            <a:r>
+              <a:rPr lang="ru-RU" dirty="0" smtClean="0"/>
+              <a:t>Объявление </a:t>
+            </a:r>
+            <a:r>
+              <a:rPr lang="en-US" dirty="0" smtClean="0"/>
+              <a:t>null </a:t>
+            </a:r>
+            <a:r>
+              <a:rPr lang="ru-RU" dirty="0" smtClean="0"/>
+              <a:t>переменной</a:t>
+            </a:r>
+            <a:endParaRPr lang="en-US" dirty="0" smtClean="0"/>
+          </a:p>
+          <a:p>
+            <a:endParaRPr lang="en-US" dirty="0"/>
+          </a:p>
+          <a:p>
+            <a:endParaRPr lang="en-US" dirty="0" smtClean="0"/>
+          </a:p>
+          <a:p>
+            <a:r>
+              <a:rPr lang="ru-RU" dirty="0"/>
+              <a:t>Возвращает </a:t>
+            </a:r>
+            <a:r>
+              <a:rPr lang="ru-RU" b="1" dirty="0" err="1"/>
+              <a:t>null</a:t>
+            </a:r>
+            <a:r>
+              <a:rPr lang="ru-RU" dirty="0"/>
+              <a:t> если </a:t>
+            </a:r>
+            <a:r>
+              <a:rPr lang="ru-RU" dirty="0" err="1"/>
+              <a:t>str</a:t>
+            </a:r>
+            <a:r>
+              <a:rPr lang="ru-RU" dirty="0"/>
+              <a:t> не содержит </a:t>
+            </a:r>
+            <a:r>
+              <a:rPr lang="ru-RU" dirty="0" smtClean="0"/>
+              <a:t>числа</a:t>
+            </a:r>
+            <a:endParaRPr lang="ru-RU" dirty="0"/>
+          </a:p>
+        </p:txBody>
+      </p:sp>
+      <p:pic>
+        <p:nvPicPr>
+          <p:cNvPr id="5122" name="Picture 2" descr="C:\Users\Fyodor Rychkov\YandexDisk\Скриншоты\2017-10-05_02-20-47.png"/>
+          <p:cNvPicPr>
+            <a:picLocks noChangeAspect="1" noChangeArrowheads="1"/>
+          </p:cNvPicPr>
+          <p:nvPr/>
+        </p:nvPicPr>
+        <p:blipFill>
+          <a:blip r:embed="rId3">
+            <a:extLst>
+              <a:ext uri="{28A0092B-C50C-407E-A947-70E740481C1C}">
+                <a14:useLocalDpi xmlns:a14="http://schemas.microsoft.com/office/drawing/2010/main" val="0"/>
+              </a:ext>
+            </a:extLst>
+          </a:blip>
+          <a:srcRect/>
+          <a:stretch>
+            <a:fillRect/>
+          </a:stretch>
+        </p:blipFill>
+        <p:spPr bwMode="auto">
+          <a:xfrm>
+            <a:off x="611560" y="2407069"/>
+            <a:ext cx="3333750" cy="742950"/>
+          </a:xfrm>
+          <a:prstGeom prst="rect">
+            <a:avLst/>
+          </a:prstGeom>
+          <a:noFill/>
+          <a:extLst>
+            <a:ext uri="{909E8E84-426E-40DD-AFC4-6F175D3DCCD1}">
+              <a14:hiddenFill xmlns:a14="http://schemas.microsoft.com/office/drawing/2010/main">
+                <a:solidFill>
+                  <a:srgbClr val="FFFFFF"/>
+                </a:solidFill>
+              </a14:hiddenFill>
+            </a:ext>
+          </a:extLst>
+        </p:spPr>
+      </p:pic>
+      <p:pic>
+        <p:nvPicPr>
+          <p:cNvPr id="6146" name="Picture 2" descr="C:\Users\Fyodor Rychkov\YandexDisk\Скриншоты\2017-10-05_02-26-39.png"/>
+          <p:cNvPicPr>
+            <a:picLocks noChangeAspect="1" noChangeArrowheads="1"/>
+          </p:cNvPicPr>
+          <p:nvPr/>
+        </p:nvPicPr>
+        <p:blipFill>
+          <a:blip r:embed="rId4">
+            <a:extLst>
+              <a:ext uri="{28A0092B-C50C-407E-A947-70E740481C1C}">
+                <a14:useLocalDpi xmlns:a14="http://schemas.microsoft.com/office/drawing/2010/main" val="0"/>
+              </a:ext>
+            </a:extLst>
+          </a:blip>
+          <a:srcRect/>
+          <a:stretch>
+            <a:fillRect/>
+          </a:stretch>
+        </p:blipFill>
+        <p:spPr bwMode="auto">
+          <a:xfrm>
+            <a:off x="611560" y="4148458"/>
+            <a:ext cx="3990975" cy="1019175"/>
+          </a:xfrm>
+          <a:prstGeom prst="rect">
+            <a:avLst/>
+          </a:prstGeom>
+          <a:noFill/>
+          <a:extLst>
+            <a:ext uri="{909E8E84-426E-40DD-AFC4-6F175D3DCCD1}">
+              <a14:hiddenFill xmlns:a14="http://schemas.microsoft.com/office/drawing/2010/main">
+                <a:solidFill>
+                  <a:srgbClr val="FFFFFF"/>
+                </a:solidFill>
+              </a14:hiddenFill>
+            </a:ext>
+          </a:extLst>
+        </p:spPr>
+      </p:pic>
+    </p:spTree>
+    <p:extLst>
+      <p:ext uri="{BB962C8B-B14F-4D97-AF65-F5344CB8AC3E}">
+        <p14:creationId xmlns:p14="http://schemas.microsoft.com/office/powerpoint/2010/main" val="1278112047"/>
+      </p:ext>
+    </p:extLst>
+  </p:cSld>
+  <p:clrMapOvr>
+    <a:masterClrMapping/>
+  </p:clrMapOvr>
+</p:sld>
+</file>
+
+<file path=ppt/slides/slide12.xml><?xml version="1.0" encoding="utf-8"?>
+<p:sld xmlns:a="http://schemas.openxmlformats.org/drawingml/2006/main" xmlns:r="http://schemas.openxmlformats.org/officeDocument/2006/relationships" xmlns:p="http://schemas.openxmlformats.org/presentationml/2006/main">
+  <p:cSld>
+    <p:spTree>
+      <p:nvGrpSpPr>
+        <p:cNvPr id="1" name=""/>
+        <p:cNvGrpSpPr/>
+        <p:nvPr/>
+      </p:nvGrpSpPr>
+      <p:grpSpPr>
+        <a:xfrm>
+          <a:off x="0" y="0"/>
+          <a:ext cx="0" cy="0"/>
+          <a:chOff x="0" y="0"/>
+          <a:chExt cx="0" cy="0"/>
+        </a:xfrm>
+      </p:grpSpPr>
+      <p:sp>
+        <p:nvSpPr>
+          <p:cNvPr id="2" name="Заголовок 1"/>
+          <p:cNvSpPr>
+            <a:spLocks noGrp="1"/>
+          </p:cNvSpPr>
+          <p:nvPr>
+            <p:ph type="title"/>
+          </p:nvPr>
+        </p:nvSpPr>
+        <p:spPr/>
+        <p:txBody>
+          <a:bodyPr/>
+          <a:lstStyle/>
+          <a:p>
+            <a:endParaRPr lang="ru-RU"/>
+          </a:p>
+        </p:txBody>
+      </p:sp>
+      <p:sp>
+        <p:nvSpPr>
+          <p:cNvPr id="3" name="Объект 2"/>
+          <p:cNvSpPr>
+            <a:spLocks noGrp="1"/>
+          </p:cNvSpPr>
+          <p:nvPr>
+            <p:ph idx="1"/>
+          </p:nvPr>
+        </p:nvSpPr>
+        <p:spPr/>
+        <p:txBody>
+          <a:bodyPr/>
+          <a:lstStyle/>
+          <a:p>
+            <a:endParaRPr lang="ru-RU"/>
+          </a:p>
+        </p:txBody>
+      </p:sp>
+    </p:spTree>
+    <p:extLst>
+      <p:ext uri="{BB962C8B-B14F-4D97-AF65-F5344CB8AC3E}">
+        <p14:creationId xmlns:p14="http://schemas.microsoft.com/office/powerpoint/2010/main" val="4243480849"/>
+      </p:ext>
+    </p:extLst>
+  </p:cSld>
+  <p:clrMapOvr>
+    <a:masterClrMapping/>
+  </p:clrMapOvr>
+</p:sld>
+</file>
+
 <file path=ppt/slides/slide2.xml><?xml version="1.0" encoding="utf-8"?>
 <p:sld xmlns:a="http://schemas.openxmlformats.org/drawingml/2006/main" xmlns:r="http://schemas.openxmlformats.org/officeDocument/2006/relationships" xmlns:p="http://schemas.openxmlformats.org/presentationml/2006/main">
   <p:cSld>
@@ -3323,7 +4165,108 @@
           <a:lstStyle/>
           <a:p>
             <a:r>
-              <a:rPr lang="en-US" smtClean="0"/>
+              <a:rPr lang="ru-RU" dirty="0" smtClean="0"/>
+              <a:t>Типы данных</a:t>
+            </a:r>
+            <a:endParaRPr lang="ru-RU" dirty="0"/>
+          </a:p>
+        </p:txBody>
+      </p:sp>
+      <p:pic>
+        <p:nvPicPr>
+          <p:cNvPr id="4099" name="Picture 3" descr="C:\Users\Fyodor Rychkov\YandexDisk\Скриншоты\2017-10-04_00-08-48.png"/>
+          <p:cNvPicPr>
+            <a:picLocks noChangeAspect="1" noChangeArrowheads="1"/>
+          </p:cNvPicPr>
+          <p:nvPr/>
+        </p:nvPicPr>
+        <p:blipFill>
+          <a:blip r:embed="rId2">
+            <a:extLst>
+              <a:ext uri="{28A0092B-C50C-407E-A947-70E740481C1C}">
+                <a14:useLocalDpi xmlns:a14="http://schemas.microsoft.com/office/drawing/2010/main" val="0"/>
+              </a:ext>
+            </a:extLst>
+          </a:blip>
+          <a:srcRect/>
+          <a:stretch>
+            <a:fillRect/>
+          </a:stretch>
+        </p:blipFill>
+        <p:spPr bwMode="auto">
+          <a:xfrm>
+            <a:off x="467544" y="1732312"/>
+            <a:ext cx="4381296" cy="4104456"/>
+          </a:xfrm>
+          <a:prstGeom prst="rect">
+            <a:avLst/>
+          </a:prstGeom>
+          <a:noFill/>
+          <a:extLst>
+            <a:ext uri="{909E8E84-426E-40DD-AFC4-6F175D3DCCD1}">
+              <a14:hiddenFill xmlns:a14="http://schemas.microsoft.com/office/drawing/2010/main">
+                <a:solidFill>
+                  <a:srgbClr val="FFFFFF"/>
+                </a:solidFill>
+              </a14:hiddenFill>
+            </a:ext>
+          </a:extLst>
+        </p:spPr>
+      </p:pic>
+    </p:spTree>
+    <p:extLst>
+      <p:ext uri="{BB962C8B-B14F-4D97-AF65-F5344CB8AC3E}">
+        <p14:creationId xmlns:p14="http://schemas.microsoft.com/office/powerpoint/2010/main" val="212342325"/>
+      </p:ext>
+    </p:extLst>
+  </p:cSld>
+  <p:clrMapOvr>
+    <a:masterClrMapping/>
+  </p:clrMapOvr>
+  <p:timing>
+    <p:tnLst>
+      <p:par>
+        <p:cTn id="1" dur="indefinite" restart="never" nodeType="tmRoot"/>
+      </p:par>
+    </p:tnLst>
+  </p:timing>
+</p:sld>
+</file>
+
+<file path=ppt/slides/slide4.xml><?xml version="1.0" encoding="utf-8"?>
+<p:sld xmlns:a="http://schemas.openxmlformats.org/drawingml/2006/main" xmlns:r="http://schemas.openxmlformats.org/officeDocument/2006/relationships" xmlns:p="http://schemas.openxmlformats.org/presentationml/2006/main">
+  <p:cSld>
+    <p:spTree>
+      <p:nvGrpSpPr>
+        <p:cNvPr id="1" name=""/>
+        <p:cNvGrpSpPr/>
+        <p:nvPr/>
+      </p:nvGrpSpPr>
+      <p:grpSpPr>
+        <a:xfrm>
+          <a:off x="0" y="0"/>
+          <a:ext cx="0" cy="0"/>
+          <a:chOff x="0" y="0"/>
+          <a:chExt cx="0" cy="0"/>
+        </a:xfrm>
+      </p:grpSpPr>
+      <p:sp>
+        <p:nvSpPr>
+          <p:cNvPr id="2" name="Заголовок 1"/>
+          <p:cNvSpPr>
+            <a:spLocks noGrp="1"/>
+          </p:cNvSpPr>
+          <p:nvPr>
+            <p:ph type="title"/>
+          </p:nvPr>
+        </p:nvSpPr>
+        <p:spPr/>
+        <p:txBody>
+          <a:bodyPr/>
+          <a:lstStyle/>
+          <a:p>
+            <a:r>
+              <a:rPr lang="en-US" dirty="0" smtClean="0"/>
               <a:t>Basic Syntax</a:t>
             </a:r>
             <a:endParaRPr lang="ru-RU" dirty="0"/>
@@ -3345,10 +4288,67 @@
           <a:bodyPr/>
           <a:lstStyle/>
           <a:p>
-            <a:endParaRPr lang="ru-RU"/>
-          </a:p>
-        </p:txBody>
-      </p:sp>
+            <a:r>
+              <a:rPr lang="en-US" dirty="0" smtClean="0"/>
+              <a:t>fun main</a:t>
+            </a:r>
+          </a:p>
+          <a:p>
+            <a:pPr lvl="1"/>
+            <a:endParaRPr lang="en-US" dirty="0" smtClean="0"/>
+          </a:p>
+          <a:p>
+            <a:endParaRPr lang="en-US" dirty="0" smtClean="0"/>
+          </a:p>
+          <a:p>
+            <a:pPr marL="0" indent="0">
+              <a:buNone/>
+            </a:pPr>
+            <a:endParaRPr lang="en-US" dirty="0"/>
+          </a:p>
+        </p:txBody>
+      </p:sp>
+      <p:pic>
+        <p:nvPicPr>
+          <p:cNvPr id="7" name="Picture 4" descr="C:\Users\Fyodor Rychkov\YandexDisk\Скриншоты\2017-09-30_09-54-59.png"/>
+          <p:cNvPicPr>
+            <a:picLocks noChangeAspect="1" noChangeArrowheads="1"/>
+          </p:cNvPicPr>
+          <p:nvPr/>
+        </p:nvPicPr>
+        <p:blipFill>
+          <a:blip r:embed="rId2">
+            <a:extLst>
+              <a:ext uri="{28A0092B-C50C-407E-A947-70E740481C1C}">
+                <a14:useLocalDpi xmlns:a14="http://schemas.microsoft.com/office/drawing/2010/main" val="0"/>
+              </a:ext>
+            </a:extLst>
+          </a:blip>
+          <a:srcRect/>
+          <a:stretch>
+            <a:fillRect/>
+          </a:stretch>
+        </p:blipFill>
+        <p:spPr bwMode="auto">
+          <a:xfrm>
+            <a:off x="1259632" y="2420888"/>
+            <a:ext cx="2971800" cy="781050"/>
+          </a:xfrm>
+          <a:prstGeom prst="rect">
+            <a:avLst/>
+          </a:prstGeom>
+          <a:noFill/>
+          <a:extLst>
+            <a:ext uri="{909E8E84-426E-40DD-AFC4-6F175D3DCCD1}">
+              <a14:hiddenFill xmlns:a14="http://schemas.microsoft.com/office/drawing/2010/main">
+                <a:solidFill>
+                  <a:srgbClr val="FFFFFF"/>
+                </a:solidFill>
+              </a14:hiddenFill>
+            </a:ext>
+          </a:extLst>
+        </p:spPr>
+      </p:pic>
     </p:spTree>
     <p:extLst>
       <p:ext uri="{BB962C8B-B14F-4D97-AF65-F5344CB8AC3E}">
@@ -3359,6 +4359,718 @@
   <p:clrMapOvr>
     <a:masterClrMapping/>
   </p:clrMapOvr>
+  <p:timing>
+    <p:tnLst>
+      <p:par>
+        <p:cTn id="1" dur="indefinite" restart="never" nodeType="tmRoot"/>
+      </p:par>
+    </p:tnLst>
+  </p:timing>
+</p:sld>
+</file>
+
+<file path=ppt/slides/slide5.xml><?xml version="1.0" encoding="utf-8"?>
+<p:sld xmlns:a="http://schemas.openxmlformats.org/drawingml/2006/main" xmlns:r="http://schemas.openxmlformats.org/officeDocument/2006/relationships" xmlns:p="http://schemas.openxmlformats.org/presentationml/2006/main">
+  <p:cSld>
+    <p:spTree>
+      <p:nvGrpSpPr>
+        <p:cNvPr id="1" name=""/>
+        <p:cNvGrpSpPr/>
+        <p:nvPr/>
+      </p:nvGrpSpPr>
+      <p:grpSpPr>
+        <a:xfrm>
+          <a:off x="0" y="0"/>
+          <a:ext cx="0" cy="0"/>
+          <a:chOff x="0" y="0"/>
+          <a:chExt cx="0" cy="0"/>
+        </a:xfrm>
+      </p:grpSpPr>
+      <p:sp>
+        <p:nvSpPr>
+          <p:cNvPr id="2" name="Заголовок 1"/>
+          <p:cNvSpPr>
+            <a:spLocks noGrp="1"/>
+          </p:cNvSpPr>
+          <p:nvPr>
+            <p:ph type="title"/>
+          </p:nvPr>
+        </p:nvSpPr>
+        <p:spPr/>
+        <p:txBody>
+          <a:bodyPr/>
+          <a:lstStyle/>
+          <a:p>
+            <a:r>
+              <a:rPr lang="en-US" dirty="0" smtClean="0"/>
+              <a:t>Basic Syntax</a:t>
+            </a:r>
+            <a:endParaRPr lang="ru-RU" dirty="0"/>
+          </a:p>
+        </p:txBody>
+      </p:sp>
+      <p:sp>
+        <p:nvSpPr>
+          <p:cNvPr id="3" name="Объект 2"/>
+          <p:cNvSpPr>
+            <a:spLocks noGrp="1"/>
+          </p:cNvSpPr>
+          <p:nvPr>
+            <p:ph idx="1"/>
+          </p:nvPr>
+        </p:nvSpPr>
+        <p:spPr/>
+        <p:txBody>
+          <a:bodyPr/>
+          <a:lstStyle/>
+          <a:p>
+            <a:r>
+              <a:rPr lang="en-US" dirty="0" smtClean="0"/>
+              <a:t>fun main</a:t>
+            </a:r>
+          </a:p>
+          <a:p>
+            <a:pPr lvl="1"/>
+            <a:endParaRPr lang="en-US" dirty="0" smtClean="0"/>
+          </a:p>
+          <a:p>
+            <a:endParaRPr lang="en-US" dirty="0" smtClean="0"/>
+          </a:p>
+          <a:p>
+            <a:endParaRPr lang="en-US" dirty="0"/>
+          </a:p>
+          <a:p>
+            <a:r>
+              <a:rPr lang="ru-RU" dirty="0" smtClean="0"/>
+              <a:t>Объявления переменных</a:t>
+            </a:r>
+          </a:p>
+          <a:p>
+            <a:pPr marL="457200" lvl="1" indent="0">
+              <a:buNone/>
+            </a:pPr>
+            <a:endParaRPr lang="ru-RU" dirty="0"/>
+          </a:p>
+        </p:txBody>
+      </p:sp>
+      <p:pic>
+        <p:nvPicPr>
+          <p:cNvPr id="7" name="Picture 4" descr="C:\Users\Fyodor Rychkov\YandexDisk\Скриншоты\2017-09-30_09-54-59.png"/>
+          <p:cNvPicPr>
+            <a:picLocks noChangeAspect="1" noChangeArrowheads="1"/>
+          </p:cNvPicPr>
+          <p:nvPr/>
+        </p:nvPicPr>
+        <p:blipFill>
+          <a:blip r:embed="rId2">
+            <a:extLst>
+              <a:ext uri="{28A0092B-C50C-407E-A947-70E740481C1C}">
+                <a14:useLocalDpi xmlns:a14="http://schemas.microsoft.com/office/drawing/2010/main" val="0"/>
+              </a:ext>
+            </a:extLst>
+          </a:blip>
+          <a:srcRect/>
+          <a:stretch>
+            <a:fillRect/>
+          </a:stretch>
+        </p:blipFill>
+        <p:spPr bwMode="auto">
+          <a:xfrm>
+            <a:off x="1259632" y="2420888"/>
+            <a:ext cx="2971800" cy="781050"/>
+          </a:xfrm>
+          <a:prstGeom prst="rect">
+            <a:avLst/>
+          </a:prstGeom>
+          <a:noFill/>
+          <a:extLst>
+            <a:ext uri="{909E8E84-426E-40DD-AFC4-6F175D3DCCD1}">
+              <a14:hiddenFill xmlns:a14="http://schemas.microsoft.com/office/drawing/2010/main">
+                <a:solidFill>
+                  <a:srgbClr val="FFFFFF"/>
+                </a:solidFill>
+              </a14:hiddenFill>
+            </a:ext>
+          </a:extLst>
+        </p:spPr>
+      </p:pic>
+      <p:pic>
+        <p:nvPicPr>
+          <p:cNvPr id="8" name="Picture 2" descr="C:\Users\Fyodor Rychkov\YandexDisk\Скриншоты\2017-09-30_11-25-51.png"/>
+          <p:cNvPicPr>
+            <a:picLocks noChangeAspect="1" noChangeArrowheads="1"/>
+          </p:cNvPicPr>
+          <p:nvPr/>
+        </p:nvPicPr>
+        <p:blipFill>
+          <a:blip r:embed="rId3">
+            <a:extLst>
+              <a:ext uri="{28A0092B-C50C-407E-A947-70E740481C1C}">
+                <a14:useLocalDpi xmlns:a14="http://schemas.microsoft.com/office/drawing/2010/main" val="0"/>
+              </a:ext>
+            </a:extLst>
+          </a:blip>
+          <a:srcRect/>
+          <a:stretch>
+            <a:fillRect/>
+          </a:stretch>
+        </p:blipFill>
+        <p:spPr bwMode="auto">
+          <a:xfrm>
+            <a:off x="1259632" y="4565300"/>
+            <a:ext cx="5772151" cy="1019175"/>
+          </a:xfrm>
+          <a:prstGeom prst="rect">
+            <a:avLst/>
+          </a:prstGeom>
+          <a:noFill/>
+          <a:extLst>
+            <a:ext uri="{909E8E84-426E-40DD-AFC4-6F175D3DCCD1}">
+              <a14:hiddenFill xmlns:a14="http://schemas.microsoft.com/office/drawing/2010/main">
+                <a:solidFill>
+                  <a:srgbClr val="FFFFFF"/>
+                </a:solidFill>
+              </a14:hiddenFill>
+            </a:ext>
+          </a:extLst>
+        </p:spPr>
+      </p:pic>
+    </p:spTree>
+    <p:extLst>
+      <p:ext uri="{BB962C8B-B14F-4D97-AF65-F5344CB8AC3E}">
+        <p14:creationId xmlns:p14="http://schemas.microsoft.com/office/powerpoint/2010/main" val="4137937312"/>
+      </p:ext>
+    </p:extLst>
+  </p:cSld>
+  <p:clrMapOvr>
+    <a:masterClrMapping/>
+  </p:clrMapOvr>
+  <p:timing>
+    <p:tnLst>
+      <p:par>
+        <p:cTn id="1" dur="indefinite" restart="never" nodeType="tmRoot"/>
+      </p:par>
+    </p:tnLst>
+  </p:timing>
+</p:sld>
+</file>
+
+<file path=ppt/slides/slide6.xml><?xml version="1.0" encoding="utf-8"?>
+<p:sld xmlns:a="http://schemas.openxmlformats.org/drawingml/2006/main" xmlns:r="http://schemas.openxmlformats.org/officeDocument/2006/relationships" xmlns:p="http://schemas.openxmlformats.org/presentationml/2006/main">
+  <p:cSld>
+    <p:spTree>
+      <p:nvGrpSpPr>
+        <p:cNvPr id="1" name=""/>
+        <p:cNvGrpSpPr/>
+        <p:nvPr/>
+      </p:nvGrpSpPr>
+      <p:grpSpPr>
+        <a:xfrm>
+          <a:off x="0" y="0"/>
+          <a:ext cx="0" cy="0"/>
+          <a:chOff x="0" y="0"/>
+          <a:chExt cx="0" cy="0"/>
+        </a:xfrm>
+      </p:grpSpPr>
+      <p:sp>
+        <p:nvSpPr>
+          <p:cNvPr id="2" name="Заголовок 1"/>
+          <p:cNvSpPr>
+            <a:spLocks noGrp="1"/>
+          </p:cNvSpPr>
+          <p:nvPr>
+            <p:ph type="title"/>
+          </p:nvPr>
+        </p:nvSpPr>
+        <p:spPr/>
+        <p:txBody>
+          <a:bodyPr/>
+          <a:lstStyle/>
+          <a:p>
+            <a:r>
+              <a:rPr lang="en-US" dirty="0" smtClean="0"/>
+              <a:t>Immutable/mutable</a:t>
+            </a:r>
+            <a:endParaRPr lang="ru-RU" dirty="0"/>
+          </a:p>
+        </p:txBody>
+      </p:sp>
+      <p:sp>
+        <p:nvSpPr>
+          <p:cNvPr id="3" name="Объект 2"/>
+          <p:cNvSpPr>
+            <a:spLocks noGrp="1"/>
+          </p:cNvSpPr>
+          <p:nvPr>
+            <p:ph idx="1"/>
+          </p:nvPr>
+        </p:nvSpPr>
+        <p:spPr/>
+        <p:txBody>
+          <a:bodyPr>
+            <a:normAutofit/>
+          </a:bodyPr>
+          <a:lstStyle/>
+          <a:p>
+            <a:r>
+              <a:rPr lang="ru-RU" sz="2800" dirty="0" err="1" smtClean="0">
+                <a:solidFill>
+                  <a:schemeClr val="accent1"/>
+                </a:solidFill>
+              </a:rPr>
+              <a:t>val</a:t>
+            </a:r>
+            <a:r>
+              <a:rPr lang="ru-RU" sz="2800" dirty="0"/>
+              <a:t> </a:t>
+            </a:r>
+            <a:r>
+              <a:rPr lang="ru-RU" sz="2800" dirty="0" smtClean="0"/>
+              <a:t>— неизменяемая</a:t>
+            </a:r>
+            <a:r>
+              <a:rPr lang="en-US" sz="2800" dirty="0" smtClean="0"/>
+              <a:t>, </a:t>
+            </a:r>
+            <a:r>
+              <a:rPr lang="ru-RU" sz="2800" dirty="0" smtClean="0"/>
+              <a:t>как</a:t>
+            </a:r>
+            <a:r>
+              <a:rPr lang="en-US" sz="2800" dirty="0" smtClean="0"/>
+              <a:t> </a:t>
+            </a:r>
+            <a:r>
+              <a:rPr lang="en-US" sz="2800" dirty="0" err="1" smtClean="0">
+                <a:solidFill>
+                  <a:schemeClr val="accent1"/>
+                </a:solidFill>
+              </a:rPr>
+              <a:t>const</a:t>
+            </a:r>
+            <a:endParaRPr lang="ru-RU" sz="2800" dirty="0"/>
+          </a:p>
+        </p:txBody>
+      </p:sp>
+    </p:spTree>
+    <p:extLst>
+      <p:ext uri="{BB962C8B-B14F-4D97-AF65-F5344CB8AC3E}">
+        <p14:creationId xmlns:p14="http://schemas.microsoft.com/office/powerpoint/2010/main" val="1527213544"/>
+      </p:ext>
+    </p:extLst>
+  </p:cSld>
+  <p:clrMapOvr>
+    <a:masterClrMapping/>
+  </p:clrMapOvr>
+  <p:timing>
+    <p:tnLst>
+      <p:par>
+        <p:cTn id="1" dur="indefinite" restart="never" nodeType="tmRoot"/>
+      </p:par>
+    </p:tnLst>
+  </p:timing>
+</p:sld>
+</file>
+
+<file path=ppt/slides/slide7.xml><?xml version="1.0" encoding="utf-8"?>
+<p:sld xmlns:a="http://schemas.openxmlformats.org/drawingml/2006/main" xmlns:r="http://schemas.openxmlformats.org/officeDocument/2006/relationships" xmlns:p="http://schemas.openxmlformats.org/presentationml/2006/main">
+  <p:cSld>
+    <p:spTree>
+      <p:nvGrpSpPr>
+        <p:cNvPr id="1" name=""/>
+        <p:cNvGrpSpPr/>
+        <p:nvPr/>
+      </p:nvGrpSpPr>
+      <p:grpSpPr>
+        <a:xfrm>
+          <a:off x="0" y="0"/>
+          <a:ext cx="0" cy="0"/>
+          <a:chOff x="0" y="0"/>
+          <a:chExt cx="0" cy="0"/>
+        </a:xfrm>
+      </p:grpSpPr>
+      <p:sp>
+        <p:nvSpPr>
+          <p:cNvPr id="2" name="Заголовок 1"/>
+          <p:cNvSpPr>
+            <a:spLocks noGrp="1"/>
+          </p:cNvSpPr>
+          <p:nvPr>
+            <p:ph type="title"/>
+          </p:nvPr>
+        </p:nvSpPr>
+        <p:spPr/>
+        <p:txBody>
+          <a:bodyPr/>
+          <a:lstStyle/>
+          <a:p>
+            <a:r>
+              <a:rPr lang="en-US" dirty="0" smtClean="0"/>
+              <a:t>Immutable/mutable</a:t>
+            </a:r>
+            <a:endParaRPr lang="ru-RU" dirty="0"/>
+          </a:p>
+        </p:txBody>
+      </p:sp>
+      <p:sp>
+        <p:nvSpPr>
+          <p:cNvPr id="3" name="Объект 2"/>
+          <p:cNvSpPr>
+            <a:spLocks noGrp="1"/>
+          </p:cNvSpPr>
+          <p:nvPr>
+            <p:ph idx="1"/>
+          </p:nvPr>
+        </p:nvSpPr>
+        <p:spPr/>
+        <p:txBody>
+          <a:bodyPr>
+            <a:normAutofit/>
+          </a:bodyPr>
+          <a:lstStyle/>
+          <a:p>
+            <a:r>
+              <a:rPr lang="ru-RU" sz="2800" dirty="0" err="1" smtClean="0">
+                <a:solidFill>
+                  <a:schemeClr val="accent1"/>
+                </a:solidFill>
+              </a:rPr>
+              <a:t>val</a:t>
+            </a:r>
+            <a:r>
+              <a:rPr lang="ru-RU" sz="2800" dirty="0"/>
+              <a:t> </a:t>
+            </a:r>
+            <a:r>
+              <a:rPr lang="ru-RU" sz="2800" dirty="0" smtClean="0"/>
+              <a:t>— неизменяемая</a:t>
+            </a:r>
+            <a:r>
+              <a:rPr lang="en-US" sz="2800" dirty="0" smtClean="0"/>
+              <a:t>, </a:t>
+            </a:r>
+            <a:r>
+              <a:rPr lang="ru-RU" sz="2800" dirty="0" smtClean="0"/>
+              <a:t>как</a:t>
+            </a:r>
+            <a:r>
+              <a:rPr lang="en-US" sz="2800" dirty="0" smtClean="0"/>
+              <a:t> </a:t>
+            </a:r>
+            <a:r>
+              <a:rPr lang="en-US" sz="2800" dirty="0" err="1" smtClean="0">
+                <a:solidFill>
+                  <a:schemeClr val="accent1"/>
+                </a:solidFill>
+              </a:rPr>
+              <a:t>const</a:t>
+            </a:r>
+            <a:endParaRPr lang="en-US" sz="2800" dirty="0" smtClean="0">
+              <a:solidFill>
+                <a:schemeClr val="accent1"/>
+              </a:solidFill>
+            </a:endParaRPr>
+          </a:p>
+          <a:p>
+            <a:r>
+              <a:rPr lang="ru-RU" sz="2800" dirty="0" err="1" smtClean="0">
+                <a:solidFill>
+                  <a:schemeClr val="accent1"/>
+                </a:solidFill>
+              </a:rPr>
+              <a:t>var</a:t>
+            </a:r>
+            <a:r>
+              <a:rPr lang="ru-RU" sz="2800" dirty="0"/>
+              <a:t> — </a:t>
+            </a:r>
+            <a:r>
+              <a:rPr lang="ru-RU" sz="2800" dirty="0" smtClean="0"/>
+              <a:t>изменяемая</a:t>
+            </a:r>
+            <a:endParaRPr lang="ru-RU" sz="2800" dirty="0"/>
+          </a:p>
+        </p:txBody>
+      </p:sp>
+    </p:spTree>
+    <p:extLst>
+      <p:ext uri="{BB962C8B-B14F-4D97-AF65-F5344CB8AC3E}">
+        <p14:creationId xmlns:p14="http://schemas.microsoft.com/office/powerpoint/2010/main" val="525144963"/>
+      </p:ext>
+    </p:extLst>
+  </p:cSld>
+  <p:clrMapOvr>
+    <a:masterClrMapping/>
+  </p:clrMapOvr>
+  <p:timing>
+    <p:tnLst>
+      <p:par>
+        <p:cTn id="1" dur="indefinite" restart="never" nodeType="tmRoot"/>
+      </p:par>
+    </p:tnLst>
+  </p:timing>
+</p:sld>
+</file>
+
+<file path=ppt/slides/slide8.xml><?xml version="1.0" encoding="utf-8"?>
+<p:sld xmlns:a="http://schemas.openxmlformats.org/drawingml/2006/main" xmlns:r="http://schemas.openxmlformats.org/officeDocument/2006/relationships" xmlns:p="http://schemas.openxmlformats.org/presentationml/2006/main">
+  <p:cSld>
+    <p:spTree>
+      <p:nvGrpSpPr>
+        <p:cNvPr id="1" name=""/>
+        <p:cNvGrpSpPr/>
+        <p:nvPr/>
+      </p:nvGrpSpPr>
+      <p:grpSpPr>
+        <a:xfrm>
+          <a:off x="0" y="0"/>
+          <a:ext cx="0" cy="0"/>
+          <a:chOff x="0" y="0"/>
+          <a:chExt cx="0" cy="0"/>
+        </a:xfrm>
+      </p:grpSpPr>
+      <p:sp>
+        <p:nvSpPr>
+          <p:cNvPr id="2" name="Заголовок 1"/>
+          <p:cNvSpPr>
+            <a:spLocks noGrp="1"/>
+          </p:cNvSpPr>
+          <p:nvPr>
+            <p:ph type="title"/>
+          </p:nvPr>
+        </p:nvSpPr>
+        <p:spPr/>
+        <p:txBody>
+          <a:bodyPr/>
+          <a:lstStyle/>
+          <a:p>
+            <a:r>
+              <a:rPr lang="en-US" dirty="0" smtClean="0"/>
+              <a:t>Functions</a:t>
+            </a:r>
+            <a:endParaRPr lang="ru-RU" dirty="0"/>
+          </a:p>
+        </p:txBody>
+      </p:sp>
+      <p:sp>
+        <p:nvSpPr>
+          <p:cNvPr id="3" name="Объект 2"/>
+          <p:cNvSpPr>
+            <a:spLocks noGrp="1"/>
+          </p:cNvSpPr>
+          <p:nvPr>
+            <p:ph idx="1"/>
+          </p:nvPr>
+        </p:nvSpPr>
+        <p:spPr/>
+        <p:txBody>
+          <a:bodyPr/>
+          <a:lstStyle/>
+          <a:p>
+            <a:endParaRPr lang="ru-RU" dirty="0"/>
+          </a:p>
+        </p:txBody>
+      </p:sp>
+    </p:spTree>
+    <p:extLst>
+      <p:ext uri="{BB962C8B-B14F-4D97-AF65-F5344CB8AC3E}">
+        <p14:creationId xmlns:p14="http://schemas.microsoft.com/office/powerpoint/2010/main" val="935088840"/>
+      </p:ext>
+    </p:extLst>
+  </p:cSld>
+  <p:clrMapOvr>
+    <a:masterClrMapping/>
+  </p:clrMapOvr>
+  <p:timing>
+    <p:tnLst>
+      <p:par>
+        <p:cTn id="1" dur="indefinite" restart="never" nodeType="tmRoot"/>
+      </p:par>
+    </p:tnLst>
+  </p:timing>
+</p:sld>
+</file>
+
+<file path=ppt/slides/slide9.xml><?xml version="1.0" encoding="utf-8"?>
+<p:sld xmlns:a="http://schemas.openxmlformats.org/drawingml/2006/main" xmlns:r="http://schemas.openxmlformats.org/officeDocument/2006/relationships" xmlns:p="http://schemas.openxmlformats.org/presentationml/2006/main">
+  <p:cSld>
+    <p:spTree>
+      <p:nvGrpSpPr>
+        <p:cNvPr id="1" name=""/>
+        <p:cNvGrpSpPr/>
+        <p:nvPr/>
+      </p:nvGrpSpPr>
+      <p:grpSpPr>
+        <a:xfrm>
+          <a:off x="0" y="0"/>
+          <a:ext cx="0" cy="0"/>
+          <a:chOff x="0" y="0"/>
+          <a:chExt cx="0" cy="0"/>
+        </a:xfrm>
+      </p:grpSpPr>
+      <p:sp>
+        <p:nvSpPr>
+          <p:cNvPr id="2" name="Заголовок 1"/>
+          <p:cNvSpPr>
+            <a:spLocks noGrp="1"/>
+          </p:cNvSpPr>
+          <p:nvPr>
+            <p:ph type="title"/>
+          </p:nvPr>
+        </p:nvSpPr>
+        <p:spPr/>
+        <p:txBody>
+          <a:bodyPr>
+            <a:normAutofit/>
+          </a:bodyPr>
+          <a:lstStyle/>
+          <a:p>
+            <a:r>
+              <a:rPr lang="en-US" dirty="0" smtClean="0"/>
+              <a:t>Extension Function</a:t>
+            </a:r>
+            <a:endParaRPr lang="ru-RU" dirty="0"/>
+          </a:p>
+        </p:txBody>
+      </p:sp>
+      <p:pic>
+        <p:nvPicPr>
+          <p:cNvPr id="3074" name="Picture 2" descr="C:\Users\Fyodor Rychkov\YandexDisk\Скриншоты\2017-09-30_23-51-12.png"/>
+          <p:cNvPicPr>
+            <a:picLocks noChangeAspect="1" noChangeArrowheads="1"/>
+          </p:cNvPicPr>
+          <p:nvPr/>
+        </p:nvPicPr>
+        <p:blipFill>
+          <a:blip r:embed="rId2">
+            <a:extLst>
+              <a:ext uri="{28A0092B-C50C-407E-A947-70E740481C1C}">
+                <a14:useLocalDpi xmlns:a14="http://schemas.microsoft.com/office/drawing/2010/main" val="0"/>
+              </a:ext>
+            </a:extLst>
+          </a:blip>
+          <a:srcRect/>
+          <a:stretch>
+            <a:fillRect/>
+          </a:stretch>
+        </p:blipFill>
+        <p:spPr bwMode="auto">
+          <a:xfrm>
+            <a:off x="722687" y="2450778"/>
+            <a:ext cx="4929433" cy="995721"/>
+          </a:xfrm>
+          <a:prstGeom prst="rect">
+            <a:avLst/>
+          </a:prstGeom>
+          <a:noFill/>
+          <a:extLst>
+            <a:ext uri="{909E8E84-426E-40DD-AFC4-6F175D3DCCD1}">
+              <a14:hiddenFill xmlns:a14="http://schemas.microsoft.com/office/drawing/2010/main">
+                <a:solidFill>
+                  <a:srgbClr val="FFFFFF"/>
+                </a:solidFill>
+              </a14:hiddenFill>
+            </a:ext>
+          </a:extLst>
+        </p:spPr>
+      </p:pic>
+      <p:sp>
+        <p:nvSpPr>
+          <p:cNvPr id="5" name="TextBox 4"/>
+          <p:cNvSpPr txBox="1"/>
+          <p:nvPr/>
+        </p:nvSpPr>
+        <p:spPr>
+          <a:xfrm>
+            <a:off x="3491880" y="3122581"/>
+            <a:ext cx="821059" cy="369332"/>
+          </a:xfrm>
+          <a:prstGeom prst="rect">
+            <a:avLst/>
+          </a:prstGeom>
+          <a:noFill/>
+        </p:spPr>
+        <p:txBody>
+          <a:bodyPr wrap="none" rtlCol="0">
+            <a:spAutoFit/>
+          </a:bodyPr>
+          <a:lstStyle/>
+          <a:p>
+            <a:r>
+              <a:rPr lang="en-US" dirty="0" smtClean="0">
+                <a:solidFill>
+                  <a:schemeClr val="bg1">
+                    <a:lumMod val="65000"/>
+                  </a:schemeClr>
+                </a:solidFill>
+              </a:rPr>
+              <a:t>// -&gt;  Y</a:t>
+            </a:r>
+            <a:endParaRPr lang="ru-RU" dirty="0">
+              <a:solidFill>
+                <a:schemeClr val="bg1">
+                  <a:lumMod val="65000"/>
+                </a:schemeClr>
+              </a:solidFill>
+            </a:endParaRPr>
+          </a:p>
+        </p:txBody>
+      </p:sp>
+      <p:sp>
+        <p:nvSpPr>
+          <p:cNvPr id="6" name="TextBox 5"/>
+          <p:cNvSpPr txBox="1"/>
+          <p:nvPr/>
+        </p:nvSpPr>
+        <p:spPr>
+          <a:xfrm>
+            <a:off x="655274" y="1412776"/>
+            <a:ext cx="8309214" cy="830997"/>
+          </a:xfrm>
+          <a:prstGeom prst="rect">
+            <a:avLst/>
+          </a:prstGeom>
+          <a:noFill/>
+        </p:spPr>
+        <p:txBody>
+          <a:bodyPr wrap="square" rtlCol="0">
+            <a:spAutoFit/>
+          </a:bodyPr>
+          <a:lstStyle/>
+          <a:p>
+            <a:r>
+              <a:rPr lang="ru-RU" sz="2400" dirty="0" smtClean="0"/>
+              <a:t>Расширяем стандартный класс </a:t>
+            </a:r>
+            <a:r>
+              <a:rPr lang="en-US" sz="2400" dirty="0" smtClean="0"/>
+              <a:t>String</a:t>
+            </a:r>
+            <a:r>
+              <a:rPr lang="ru-RU" sz="2400" dirty="0" smtClean="0"/>
+              <a:t>, «добавляем» собственный метод</a:t>
+            </a:r>
+            <a:endParaRPr lang="ru-RU" sz="2400" dirty="0"/>
+          </a:p>
+        </p:txBody>
+      </p:sp>
+    </p:spTree>
+    <p:extLst>
+      <p:ext uri="{BB962C8B-B14F-4D97-AF65-F5344CB8AC3E}">
+        <p14:creationId xmlns:p14="http://schemas.microsoft.com/office/powerpoint/2010/main" val="286824386"/>
+      </p:ext>
+    </p:extLst>
+  </p:cSld>
+  <p:clrMapOvr>
+    <a:masterClrMapping/>
+  </p:clrMapOvr>
+  <p:timing>
+    <p:tnLst>
+      <p:par>
+        <p:cTn id="1" dur="indefinite" restart="never" nodeType="tmRoot"/>
+      </p:par>
+    </p:tnLst>
+  </p:timing>
 </p:sld>
 </file>
 
@@ -3645,4 +5357,289 @@
   <a:objectDefaults/>
   <a:extraClrSchemeLst/>
 </a:theme>
+</file>
+
+<file path=ppt/theme/theme2.xml><?xml version="1.0" encoding="utf-8"?>
+<a:theme xmlns:a="http://schemas.openxmlformats.org/drawingml/2006/main" name="Тема Office">
+  <a:themeElements>
+    <a:clrScheme name="Стандартная">
+      <a:dk1>
+        <a:sysClr val="windowText" lastClr="000000"/>
+      </a:dk1>
+      <a:lt1>
+        <a:sysClr val="window" lastClr="FFFFFF"/>
+      </a:lt1>
+      <a:dk2>
+        <a:srgbClr val="1F497D"/>
+      </a:dk2>
+      <a:lt2>
+        <a:srgbClr val="EEECE1"/>
+      </a:lt2>
+      <a:accent1>
+        <a:srgbClr val="4F81BD"/>
+      </a:accent1>
+      <a:accent2>
+        <a:srgbClr val="C0504D"/>
+      </a:accent2>
+      <a:accent3>
+        <a:srgbClr val="9BBB59"/>
+      </a:accent3>
+      <a:accent4>
+        <a:srgbClr val="8064A2"/>
+      </a:accent4>
+      <a:accent5>
+        <a:srgbClr val="4BACC6"/>
+      </a:accent5>
+      <a:accent6>
+        <a:srgbClr val="F79646"/>
+      </a:accent6>
+      <a:hlink>
+        <a:srgbClr val="0000FF"/>
+      </a:hlink>
+      <a:folHlink>
+        <a:srgbClr val="800080"/>
+      </a:folHlink>
+    </a:clrScheme>
+    <a:fontScheme name="Стандартная">
+      <a:majorFont>
+        <a:latin typeface="Calibri"/>
+        <a:ea typeface=""/>
+        <a:cs typeface=""/>
+        <a:font script="Jpan" typeface="ＭＳ Ｐゴシック"/>
+        <a:font script="Hang" typeface="맑은 고딕"/>
+        <a:font script="Hans" typeface="宋体"/>
+        <a:font script="Hant" typeface="新細明體"/>
+        <a:font script="Arab" typeface="Times New Roman"/>
+        <a:font script="Hebr" typeface="Times New Roman"/>
+        <a:font script="Thai" typeface="Angsana New"/>
+        <a:font script="Ethi" typeface="Nyala"/>
+        <a:font script="Beng" typeface="Vrinda"/>
+        <a:font script="Gujr" typeface="Shruti"/>
+        <a:font script="Khmr" typeface="MoolBoran"/>
+        <a:font script="Knda" typeface="Tunga"/>
+        <a:font script="Guru" typeface="Raavi"/>
+        <a:font script="Cans" typeface="Euphemia"/>
+        <a:font script="Cher" typeface="Plantagenet Cherokee"/>
+        <a:font script="Yiii" typeface="Microsoft Yi Baiti"/>
+        <a:font script="Tibt" typeface="Microsoft Himalaya"/>
+        <a:font script="Thaa" typeface="MV Boli"/>
+        <a:font script="Deva" typeface="Mangal"/>
+        <a:font script="Telu" typeface="Gautami"/>
+        <a:font script="Taml" typeface="Latha"/>
+        <a:font script="Syrc" typeface="Estrangelo Edessa"/>
+        <a:font script="Orya" typeface="Kalinga"/>
+        <a:font script="Mlym" typeface="Kartika"/>
+        <a:font script="Laoo" typeface="DokChampa"/>
+        <a:font script="Sinh" typeface="Iskoola Pota"/>
+        <a:font script="Mong" typeface="Mongolian Baiti"/>
+        <a:font script="Viet" typeface="Times New Roman"/>
+        <a:font script="Uigh" typeface="Microsoft Uighur"/>
+        <a:font script="Geor" typeface="Sylfaen"/>
+      </a:majorFont>
+      <a:minorFont>
+        <a:latin typeface="Calibri"/>
+        <a:ea typeface=""/>
+        <a:cs typeface=""/>
+        <a:font script="Jpan" typeface="ＭＳ Ｐゴシック"/>
+        <a:font script="Hang" typeface="맑은 고딕"/>
+        <a:font script="Hans" typeface="宋体"/>
+        <a:font script="Hant" typeface="新細明體"/>
+        <a:font script="Arab" typeface="Arial"/>
+        <a:font script="Hebr" typeface="Arial"/>
+        <a:font script="Thai" typeface="Cordia New"/>
+        <a:font script="Ethi" typeface="Nyala"/>
+        <a:font script="Beng" typeface="Vrinda"/>
+        <a:font script="Gujr" typeface="Shruti"/>
+        <a:font script="Khmr" typeface="DaunPenh"/>
+        <a:font script="Knda" typeface="Tunga"/>
+        <a:font script="Guru" typeface="Raavi"/>
+        <a:font script="Cans" typeface="Euphemia"/>
+        <a:font script="Cher" typeface="Plantagenet Cherokee"/>
+        <a:font script="Yiii" typeface="Microsoft Yi Baiti"/>
+        <a:font script="Tibt" typeface="Microsoft Himalaya"/>
+        <a:font script="Thaa" typeface="MV Boli"/>
+        <a:font script="Deva" typeface="Mangal"/>
+        <a:font script="Telu" typeface="Gautami"/>
+        <a:font script="Taml" typeface="Latha"/>
+        <a:font script="Syrc" typeface="Estrangelo Edessa"/>
+        <a:font script="Orya" typeface="Kalinga"/>
+        <a:font script="Mlym" typeface="Kartika"/>
+        <a:font script="Laoo" typeface="DokChampa"/>
+        <a:font script="Sinh" typeface="Iskoola Pota"/>
+        <a:font script="Mong" typeface="Mongolian Baiti"/>
+        <a:font script="Viet" typeface="Arial"/>
+        <a:font script="Uigh" typeface="Microsoft Uighur"/>
+        <a:font script="Geor" typeface="Sylfaen"/>
+      </a:minorFont>
+    </a:fontScheme>
+    <a:fmtScheme name="Стандартная">
+      <a:fillStyleLst>
+        <a:solidFill>
+          <a:schemeClr val="phClr"/>
+        </a:solidFill>
+        <a:gradFill rotWithShape="1">
+          <a:gsLst>
+            <a:gs pos="0">
+              <a:schemeClr val="phClr">
+                <a:tint val="50000"/>
+                <a:satMod val="300000"/>
+              </a:schemeClr>
+            </a:gs>
+            <a:gs pos="35000">
+              <a:schemeClr val="phClr">
+                <a:tint val="37000"/>
+                <a:satMod val="300000"/>
+              </a:schemeClr>
+            </a:gs>
+            <a:gs pos="100000">
+              <a:schemeClr val="phClr">
+                <a:tint val="15000"/>
+                <a:satMod val="350000"/>
+              </a:schemeClr>
+            </a:gs>
+          </a:gsLst>
+          <a:lin ang="16200000" scaled="1"/>
+        </a:gradFill>
+        <a:gradFill rotWithShape="1">
+          <a:gsLst>
+            <a:gs pos="0">
+              <a:schemeClr val="phClr">
+                <a:shade val="51000"/>
+                <a:satMod val="130000"/>
+              </a:schemeClr>
+            </a:gs>
+            <a:gs pos="80000">
+              <a:schemeClr val="phClr">
+                <a:shade val="93000"/>
+                <a:satMod val="130000"/>
+              </a:schemeClr>
+            </a:gs>
+            <a:gs pos="100000">
+              <a:schemeClr val="phClr">
+                <a:shade val="94000"/>
+                <a:satMod val="135000"/>
+              </a:schemeClr>
+            </a:gs>
+          </a:gsLst>
+          <a:lin ang="16200000" scaled="0"/>
+        </a:gradFill>
+      </a:fillStyleLst>
+      <a:lnStyleLst>
+        <a:ln w="9525" cap="flat" cmpd="sng" algn="ctr">
+          <a:solidFill>
+            <a:schemeClr val="phClr">
+              <a:shade val="95000"/>
+              <a:satMod val="105000"/>
+            </a:schemeClr>
+          </a:solidFill>
+          <a:prstDash val="solid"/>
+        </a:ln>
+        <a:ln w="25400" cap="flat" cmpd="sng" algn="ctr">
+          <a:solidFill>
+            <a:schemeClr val="phClr"/>
+          </a:solidFill>
+          <a:prstDash val="solid"/>
+        </a:ln>
+        <a:ln w="38100" cap="flat" cmpd="sng" algn="ctr">
+          <a:solidFill>
+            <a:schemeClr val="phClr"/>
+          </a:solidFill>
+          <a:prstDash val="solid"/>
+        </a:ln>
+      </a:lnStyleLst>
+      <a:effectStyleLst>
+        <a:effectStyle>
+          <a:effectLst>
+            <a:outerShdw blurRad="40000" dist="20000" dir="5400000" rotWithShape="0">
+              <a:srgbClr val="000000">
+                <a:alpha val="38000"/>
+              </a:srgbClr>
+            </a:outerShdw>
+          </a:effectLst>
+        </a:effectStyle>
+        <a:effectStyle>
+          <a:effectLst>
+            <a:outerShdw blurRad="40000" dist="23000" dir="5400000" rotWithShape="0">
+              <a:srgbClr val="000000">
+                <a:alpha val="35000"/>
+              </a:srgbClr>
+            </a:outerShdw>
+          </a:effectLst>
+        </a:effectStyle>
+        <a:effectStyle>
+          <a:effectLst>
+            <a:outerShdw blurRad="40000" dist="23000" dir="5400000" rotWithShape="0">
+              <a:srgbClr val="000000">
+                <a:alpha val="35000"/>
+              </a:srgbClr>
+            </a:outerShdw>
+          </a:effectLst>
+          <a:scene3d>
+            <a:camera prst="orthographicFront">
+              <a:rot lat="0" lon="0" rev="0"/>
+            </a:camera>
+            <a:lightRig rig="threePt" dir="t">
+              <a:rot lat="0" lon="0" rev="1200000"/>
+            </a:lightRig>
+          </a:scene3d>
+          <a:sp3d>
+            <a:bevelT w="63500" h="25400"/>
+          </a:sp3d>
+        </a:effectStyle>
+      </a:effectStyleLst>
+      <a:bgFillStyleLst>
+        <a:solidFill>
+          <a:schemeClr val="phClr"/>
+        </a:solidFill>
+        <a:gradFill rotWithShape="1">
+          <a:gsLst>
+            <a:gs pos="0">
+              <a:schemeClr val="phClr">
+                <a:tint val="40000"/>
+                <a:satMod val="350000"/>
+              </a:schemeClr>
+            </a:gs>
+            <a:gs pos="40000">
+              <a:schemeClr val="phClr">
+                <a:tint val="45000"/>
+                <a:shade val="99000"/>
+                <a:satMod val="350000"/>
+              </a:schemeClr>
+            </a:gs>
+            <a:gs pos="100000">
+              <a:schemeClr val="phClr">
+                <a:shade val="20000"/>
+                <a:satMod val="255000"/>
+              </a:schemeClr>
+            </a:gs>
+          </a:gsLst>
+          <a:path path="circle">
+            <a:fillToRect l="50000" t="-80000" r="50000" b="180000"/>
+          </a:path>
+        </a:gradFill>
+        <a:gradFill rotWithShape="1">
+          <a:gsLst>
+            <a:gs pos="0">
+              <a:schemeClr val="phClr">
+                <a:tint val="80000"/>
+                <a:satMod val="300000"/>
+              </a:schemeClr>
+            </a:gs>
+            <a:gs pos="100000">
+              <a:schemeClr val="phClr">
+                <a:shade val="30000"/>
+                <a:satMod val="200000"/>
+              </a:schemeClr>
+            </a:gs>
+          </a:gsLst>
+          <a:path path="circle">
+            <a:fillToRect l="50000" t="50000" r="50000" b="50000"/>
+          </a:path>
+        </a:gradFill>
+      </a:bgFillStyleLst>
+    </a:fmtScheme>
+  </a:themeElements>
+  <a:objectDefaults/>
+  <a:extraClrSchemeLst/>
+</a:theme>
 </file>